--- a/Latex/Figures/Chapter2/fig_incline_setup.pptx
+++ b/Latex/Figures/Chapter2/fig_incline_setup.pptx
@@ -243,7 +243,7 @@
           <a:p>
             <a:fld id="{A8F48D5B-9275-4A08-B238-9C7CECCD580A}" type="datetimeFigureOut">
               <a:rPr lang="en-US" smtClean="0"/>
-              <a:t>8/16/2018</a:t>
+              <a:t>7/5/2019</a:t>
             </a:fld>
             <a:endParaRPr lang="en-US"/>
           </a:p>
@@ -413,7 +413,7 @@
           <a:p>
             <a:fld id="{A8F48D5B-9275-4A08-B238-9C7CECCD580A}" type="datetimeFigureOut">
               <a:rPr lang="en-US" smtClean="0"/>
-              <a:t>8/16/2018</a:t>
+              <a:t>7/5/2019</a:t>
             </a:fld>
             <a:endParaRPr lang="en-US"/>
           </a:p>
@@ -593,7 +593,7 @@
           <a:p>
             <a:fld id="{A8F48D5B-9275-4A08-B238-9C7CECCD580A}" type="datetimeFigureOut">
               <a:rPr lang="en-US" smtClean="0"/>
-              <a:t>8/16/2018</a:t>
+              <a:t>7/5/2019</a:t>
             </a:fld>
             <a:endParaRPr lang="en-US"/>
           </a:p>
@@ -763,7 +763,7 @@
           <a:p>
             <a:fld id="{A8F48D5B-9275-4A08-B238-9C7CECCD580A}" type="datetimeFigureOut">
               <a:rPr lang="en-US" smtClean="0"/>
-              <a:t>8/16/2018</a:t>
+              <a:t>7/5/2019</a:t>
             </a:fld>
             <a:endParaRPr lang="en-US"/>
           </a:p>
@@ -1007,7 +1007,7 @@
           <a:p>
             <a:fld id="{A8F48D5B-9275-4A08-B238-9C7CECCD580A}" type="datetimeFigureOut">
               <a:rPr lang="en-US" smtClean="0"/>
-              <a:t>8/16/2018</a:t>
+              <a:t>7/5/2019</a:t>
             </a:fld>
             <a:endParaRPr lang="en-US"/>
           </a:p>
@@ -1239,7 +1239,7 @@
           <a:p>
             <a:fld id="{A8F48D5B-9275-4A08-B238-9C7CECCD580A}" type="datetimeFigureOut">
               <a:rPr lang="en-US" smtClean="0"/>
-              <a:t>8/16/2018</a:t>
+              <a:t>7/5/2019</a:t>
             </a:fld>
             <a:endParaRPr lang="en-US"/>
           </a:p>
@@ -1606,7 +1606,7 @@
           <a:p>
             <a:fld id="{A8F48D5B-9275-4A08-B238-9C7CECCD580A}" type="datetimeFigureOut">
               <a:rPr lang="en-US" smtClean="0"/>
-              <a:t>8/16/2018</a:t>
+              <a:t>7/5/2019</a:t>
             </a:fld>
             <a:endParaRPr lang="en-US"/>
           </a:p>
@@ -1724,7 +1724,7 @@
           <a:p>
             <a:fld id="{A8F48D5B-9275-4A08-B238-9C7CECCD580A}" type="datetimeFigureOut">
               <a:rPr lang="en-US" smtClean="0"/>
-              <a:t>8/16/2018</a:t>
+              <a:t>7/5/2019</a:t>
             </a:fld>
             <a:endParaRPr lang="en-US"/>
           </a:p>
@@ -1819,7 +1819,7 @@
           <a:p>
             <a:fld id="{A8F48D5B-9275-4A08-B238-9C7CECCD580A}" type="datetimeFigureOut">
               <a:rPr lang="en-US" smtClean="0"/>
-              <a:t>8/16/2018</a:t>
+              <a:t>7/5/2019</a:t>
             </a:fld>
             <a:endParaRPr lang="en-US"/>
           </a:p>
@@ -2096,7 +2096,7 @@
           <a:p>
             <a:fld id="{A8F48D5B-9275-4A08-B238-9C7CECCD580A}" type="datetimeFigureOut">
               <a:rPr lang="en-US" smtClean="0"/>
-              <a:t>8/16/2018</a:t>
+              <a:t>7/5/2019</a:t>
             </a:fld>
             <a:endParaRPr lang="en-US"/>
           </a:p>
@@ -2353,7 +2353,7 @@
           <a:p>
             <a:fld id="{A8F48D5B-9275-4A08-B238-9C7CECCD580A}" type="datetimeFigureOut">
               <a:rPr lang="en-US" smtClean="0"/>
-              <a:t>8/16/2018</a:t>
+              <a:t>7/5/2019</a:t>
             </a:fld>
             <a:endParaRPr lang="en-US"/>
           </a:p>
@@ -2566,7 +2566,7 @@
           <a:p>
             <a:fld id="{A8F48D5B-9275-4A08-B238-9C7CECCD580A}" type="datetimeFigureOut">
               <a:rPr lang="en-US" smtClean="0"/>
-              <a:t>8/16/2018</a:t>
+              <a:t>7/5/2019</a:t>
             </a:fld>
             <a:endParaRPr lang="en-US"/>
           </a:p>
@@ -3075,8 +3075,8 @@
         </p:nvSpPr>
         <p:spPr>
           <a:xfrm>
-            <a:off x="2866422" y="-38511"/>
-            <a:ext cx="287258" cy="369332"/>
+            <a:off x="2853597" y="-38511"/>
+            <a:ext cx="300083" cy="369332"/>
           </a:xfrm>
           <a:prstGeom prst="rect">
             <a:avLst/>
@@ -3092,16 +3092,16 @@
             <a:pPr algn="r"/>
             <a:r>
               <a:rPr lang="en-US" i="1" dirty="0" smtClean="0">
-                <a:latin typeface="Times New Roman" panose="02020603050405020304" pitchFamily="18" charset="0"/>
-                <a:ea typeface="Roboto" panose="02000000000000000000" pitchFamily="2" charset="0"/>
-                <a:cs typeface="Times New Roman" panose="02020603050405020304" pitchFamily="18" charset="0"/>
+                <a:latin typeface="Linux Libertine" panose="02000503000000000000" pitchFamily="2" charset="0"/>
+                <a:ea typeface="Linux Libertine" panose="02000503000000000000" pitchFamily="2" charset="0"/>
+                <a:cs typeface="Linux Libertine" panose="02000503000000000000" pitchFamily="2" charset="0"/>
               </a:rPr>
               <a:t>y</a:t>
             </a:r>
             <a:endParaRPr lang="en-US" sz="4000" i="1" dirty="0">
-              <a:latin typeface="Times New Roman" panose="02020603050405020304" pitchFamily="18" charset="0"/>
-              <a:ea typeface="Roboto" panose="02000000000000000000" pitchFamily="2" charset="0"/>
-              <a:cs typeface="Times New Roman" panose="02020603050405020304" pitchFamily="18" charset="0"/>
+              <a:latin typeface="Linux Libertine" panose="02000503000000000000" pitchFamily="2" charset="0"/>
+              <a:ea typeface="Linux Libertine" panose="02000503000000000000" pitchFamily="2" charset="0"/>
+              <a:cs typeface="Linux Libertine" panose="02000503000000000000" pitchFamily="2" charset="0"/>
             </a:endParaRPr>
           </a:p>
         </p:txBody>
@@ -3147,8 +3147,8 @@
         </p:nvSpPr>
         <p:spPr>
           <a:xfrm>
-            <a:off x="4936938" y="2690347"/>
-            <a:ext cx="287258" cy="369332"/>
+            <a:off x="4930525" y="2690347"/>
+            <a:ext cx="293671" cy="369332"/>
           </a:xfrm>
           <a:prstGeom prst="rect">
             <a:avLst/>
@@ -3164,16 +3164,16 @@
             <a:pPr algn="r"/>
             <a:r>
               <a:rPr lang="en-US" i="1" dirty="0" smtClean="0">
-                <a:latin typeface="Times New Roman" panose="02020603050405020304" pitchFamily="18" charset="0"/>
-                <a:ea typeface="Roboto" panose="02000000000000000000" pitchFamily="2" charset="0"/>
-                <a:cs typeface="Times New Roman" panose="02020603050405020304" pitchFamily="18" charset="0"/>
+                <a:latin typeface="Linux Libertine" panose="02000503000000000000" pitchFamily="2" charset="0"/>
+                <a:ea typeface="Linux Libertine" panose="02000503000000000000" pitchFamily="2" charset="0"/>
+                <a:cs typeface="Linux Libertine" panose="02000503000000000000" pitchFamily="2" charset="0"/>
               </a:rPr>
               <a:t>x</a:t>
             </a:r>
             <a:endParaRPr lang="en-US" sz="4000" i="1" dirty="0">
-              <a:latin typeface="Times New Roman" panose="02020603050405020304" pitchFamily="18" charset="0"/>
-              <a:ea typeface="Roboto" panose="02000000000000000000" pitchFamily="2" charset="0"/>
-              <a:cs typeface="Times New Roman" panose="02020603050405020304" pitchFamily="18" charset="0"/>
+              <a:latin typeface="Linux Libertine" panose="02000503000000000000" pitchFamily="2" charset="0"/>
+              <a:ea typeface="Linux Libertine" panose="02000503000000000000" pitchFamily="2" charset="0"/>
+              <a:cs typeface="Linux Libertine" panose="02000503000000000000" pitchFamily="2" charset="0"/>
             </a:endParaRPr>
           </a:p>
         </p:txBody>
@@ -3186,8 +3186,8 @@
         </p:nvSpPr>
         <p:spPr>
           <a:xfrm>
-            <a:off x="2562758" y="817693"/>
-            <a:ext cx="300082" cy="369332"/>
+            <a:off x="2557948" y="817693"/>
+            <a:ext cx="304892" cy="369332"/>
           </a:xfrm>
           <a:prstGeom prst="rect">
             <a:avLst/>
@@ -3203,16 +3203,16 @@
             <a:pPr algn="r"/>
             <a:r>
               <a:rPr lang="en-US" i="1" dirty="0" smtClean="0">
-                <a:latin typeface="Times New Roman" panose="02020603050405020304" pitchFamily="18" charset="0"/>
-                <a:ea typeface="Roboto" panose="02000000000000000000" pitchFamily="2" charset="0"/>
-                <a:cs typeface="Times New Roman" panose="02020603050405020304" pitchFamily="18" charset="0"/>
+                <a:latin typeface="Linux Libertine" panose="02000503000000000000" pitchFamily="2" charset="0"/>
+                <a:ea typeface="Linux Libertine" panose="02000503000000000000" pitchFamily="2" charset="0"/>
+                <a:cs typeface="Linux Libertine" panose="02000503000000000000" pitchFamily="2" charset="0"/>
               </a:rPr>
               <a:t>h</a:t>
             </a:r>
             <a:endParaRPr lang="en-US" sz="4000" i="1" dirty="0">
-              <a:latin typeface="Times New Roman" panose="02020603050405020304" pitchFamily="18" charset="0"/>
-              <a:ea typeface="Roboto" panose="02000000000000000000" pitchFamily="2" charset="0"/>
-              <a:cs typeface="Times New Roman" panose="02020603050405020304" pitchFamily="18" charset="0"/>
+              <a:latin typeface="Linux Libertine" panose="02000503000000000000" pitchFamily="2" charset="0"/>
+              <a:ea typeface="Linux Libertine" panose="02000503000000000000" pitchFamily="2" charset="0"/>
+              <a:cs typeface="Linux Libertine" panose="02000503000000000000" pitchFamily="2" charset="0"/>
             </a:endParaRPr>
           </a:p>
         </p:txBody>
@@ -3241,17 +3241,12 @@
           <a:p>
             <a:r>
               <a:rPr lang="en-US" dirty="0" smtClean="0">
-                <a:latin typeface="Times New Roman" panose="02020603050405020304" pitchFamily="18" charset="0"/>
-                <a:ea typeface="Roboto" panose="02000000000000000000" pitchFamily="2" charset="0"/>
-                <a:cs typeface="Times New Roman" panose="02020603050405020304" pitchFamily="18" charset="0"/>
+                <a:latin typeface="Linux Libertine" panose="02000503000000000000" pitchFamily="2" charset="0"/>
+                <a:ea typeface="Linux Libertine" panose="02000503000000000000" pitchFamily="2" charset="0"/>
+                <a:cs typeface="Linux Libertine" panose="02000503000000000000" pitchFamily="2" charset="0"/>
               </a:rPr>
               <a:t>fluid</a:t>
             </a:r>
-            <a:endParaRPr lang="en-US" dirty="0" smtClean="0">
-              <a:latin typeface="Times New Roman" panose="02020603050405020304" pitchFamily="18" charset="0"/>
-              <a:ea typeface="Roboto" panose="02000000000000000000" pitchFamily="2" charset="0"/>
-              <a:cs typeface="Times New Roman" panose="02020603050405020304" pitchFamily="18" charset="0"/>
-            </a:endParaRPr>
           </a:p>
         </p:txBody>
       </p:sp>
@@ -3264,7 +3259,7 @@
         <p:spPr>
           <a:xfrm>
             <a:off x="1767620" y="325947"/>
-            <a:ext cx="428322" cy="369332"/>
+            <a:ext cx="439544" cy="369332"/>
           </a:xfrm>
           <a:prstGeom prst="rect">
             <a:avLst/>
@@ -3279,17 +3274,12 @@
           <a:p>
             <a:r>
               <a:rPr lang="en-US" dirty="0" smtClean="0">
-                <a:latin typeface="Times New Roman" panose="02020603050405020304" pitchFamily="18" charset="0"/>
-                <a:ea typeface="Roboto" panose="02000000000000000000" pitchFamily="2" charset="0"/>
-                <a:cs typeface="Times New Roman" panose="02020603050405020304" pitchFamily="18" charset="0"/>
+                <a:latin typeface="Linux Libertine" panose="02000503000000000000" pitchFamily="2" charset="0"/>
+                <a:ea typeface="Linux Libertine" panose="02000503000000000000" pitchFamily="2" charset="0"/>
+                <a:cs typeface="Linux Libertine" panose="02000503000000000000" pitchFamily="2" charset="0"/>
               </a:rPr>
               <a:t>air</a:t>
             </a:r>
-            <a:endParaRPr lang="en-US" dirty="0" smtClean="0">
-              <a:latin typeface="Times New Roman" panose="02020603050405020304" pitchFamily="18" charset="0"/>
-              <a:ea typeface="Roboto" panose="02000000000000000000" pitchFamily="2" charset="0"/>
-              <a:cs typeface="Times New Roman" panose="02020603050405020304" pitchFamily="18" charset="0"/>
-            </a:endParaRPr>
           </a:p>
         </p:txBody>
       </p:sp>
@@ -3381,16 +3371,16 @@
             <a:pPr algn="r"/>
             <a:r>
               <a:rPr lang="el-GR" i="1" dirty="0" smtClean="0">
-                <a:latin typeface="Times New Roman" panose="02020603050405020304" pitchFamily="18" charset="0"/>
-                <a:ea typeface="Roboto" panose="02000000000000000000" pitchFamily="2" charset="0"/>
-                <a:cs typeface="Times New Roman" panose="02020603050405020304" pitchFamily="18" charset="0"/>
+                <a:latin typeface="Linux Libertine" panose="02000503000000000000" pitchFamily="2" charset="0"/>
+                <a:ea typeface="Linux Libertine" panose="02000503000000000000" pitchFamily="2" charset="0"/>
+                <a:cs typeface="Linux Libertine" panose="02000503000000000000" pitchFamily="2" charset="0"/>
               </a:rPr>
               <a:t>α</a:t>
             </a:r>
             <a:endParaRPr lang="en-US" sz="4000" i="1" dirty="0">
-              <a:latin typeface="Times New Roman" panose="02020603050405020304" pitchFamily="18" charset="0"/>
-              <a:ea typeface="Roboto" panose="02000000000000000000" pitchFamily="2" charset="0"/>
-              <a:cs typeface="Times New Roman" panose="02020603050405020304" pitchFamily="18" charset="0"/>
+              <a:latin typeface="Linux Libertine" panose="02000503000000000000" pitchFamily="2" charset="0"/>
+              <a:ea typeface="Linux Libertine" panose="02000503000000000000" pitchFamily="2" charset="0"/>
+              <a:cs typeface="Linux Libertine" panose="02000503000000000000" pitchFamily="2" charset="0"/>
             </a:endParaRPr>
           </a:p>
         </p:txBody>
